--- a/PPTs/Logic Programming Paradigm.pptx
+++ b/PPTs/Logic Programming Paradigm.pptx
@@ -256,7 +256,7 @@
           <a:p>
             <a:fld id="{53987625-9F62-429B-AAB4-3BE8174C1533}" type="datetimeFigureOut">
               <a:rPr lang="en-PH" smtClean="0"/>
-              <a:t>19 Aug 2020</a:t>
+              <a:t>17/09/2024</a:t>
             </a:fld>
             <a:endParaRPr lang="en-PH"/>
           </a:p>
@@ -2078,7 +2078,7 @@
           <a:p>
             <a:fld id="{0EB95752-787A-4C8A-B6CC-C41C23F6BED4}" type="datetimeFigureOut">
               <a:rPr lang="en-PH" smtClean="0"/>
-              <a:t>19 Aug 2020</a:t>
+              <a:t>17/09/2024</a:t>
             </a:fld>
             <a:endParaRPr lang="en-PH"/>
           </a:p>
@@ -2469,7 +2469,7 @@
           <a:p>
             <a:fld id="{0EB95752-787A-4C8A-B6CC-C41C23F6BED4}" type="datetimeFigureOut">
               <a:rPr lang="en-PH" smtClean="0"/>
-              <a:t>19 Aug 2020</a:t>
+              <a:t>17/09/2024</a:t>
             </a:fld>
             <a:endParaRPr lang="en-PH"/>
           </a:p>
@@ -2669,7 +2669,7 @@
           <a:p>
             <a:fld id="{0EB95752-787A-4C8A-B6CC-C41C23F6BED4}" type="datetimeFigureOut">
               <a:rPr lang="en-PH" smtClean="0"/>
-              <a:t>19 Aug 2020</a:t>
+              <a:t>17/09/2024</a:t>
             </a:fld>
             <a:endParaRPr lang="en-PH"/>
           </a:p>
@@ -2879,7 +2879,7 @@
           <a:p>
             <a:fld id="{0EB95752-787A-4C8A-B6CC-C41C23F6BED4}" type="datetimeFigureOut">
               <a:rPr lang="en-PH" smtClean="0"/>
-              <a:t>19 Aug 2020</a:t>
+              <a:t>17/09/2024</a:t>
             </a:fld>
             <a:endParaRPr lang="en-PH"/>
           </a:p>
@@ -3344,7 +3344,7 @@
           <a:p>
             <a:fld id="{0EB95752-787A-4C8A-B6CC-C41C23F6BED4}" type="datetimeFigureOut">
               <a:rPr lang="en-PH" smtClean="0"/>
-              <a:t>19 Aug 2020</a:t>
+              <a:t>17/09/2024</a:t>
             </a:fld>
             <a:endParaRPr lang="en-PH"/>
           </a:p>
@@ -3739,7 +3739,7 @@
           <a:p>
             <a:fld id="{0EB95752-787A-4C8A-B6CC-C41C23F6BED4}" type="datetimeFigureOut">
               <a:rPr lang="en-PH" smtClean="0"/>
-              <a:t>19 Aug 2020</a:t>
+              <a:t>17/09/2024</a:t>
             </a:fld>
             <a:endParaRPr lang="en-PH"/>
           </a:p>
@@ -4075,7 +4075,7 @@
           <a:p>
             <a:fld id="{0EB95752-787A-4C8A-B6CC-C41C23F6BED4}" type="datetimeFigureOut">
               <a:rPr lang="en-PH" smtClean="0"/>
-              <a:t>19 Aug 2020</a:t>
+              <a:t>17/09/2024</a:t>
             </a:fld>
             <a:endParaRPr lang="en-PH"/>
           </a:p>
@@ -4343,7 +4343,7 @@
           <a:p>
             <a:fld id="{0EB95752-787A-4C8A-B6CC-C41C23F6BED4}" type="datetimeFigureOut">
               <a:rPr lang="en-PH" smtClean="0"/>
-              <a:t>19 Aug 2020</a:t>
+              <a:t>17/09/2024</a:t>
             </a:fld>
             <a:endParaRPr lang="en-PH"/>
           </a:p>
@@ -4758,7 +4758,7 @@
           <a:p>
             <a:fld id="{0EB95752-787A-4C8A-B6CC-C41C23F6BED4}" type="datetimeFigureOut">
               <a:rPr lang="en-PH" smtClean="0"/>
-              <a:t>19 Aug 2020</a:t>
+              <a:t>17/09/2024</a:t>
             </a:fld>
             <a:endParaRPr lang="en-PH"/>
           </a:p>
@@ -4900,7 +4900,7 @@
           <a:p>
             <a:fld id="{0EB95752-787A-4C8A-B6CC-C41C23F6BED4}" type="datetimeFigureOut">
               <a:rPr lang="en-PH" smtClean="0"/>
-              <a:t>19 Aug 2020</a:t>
+              <a:t>17/09/2024</a:t>
             </a:fld>
             <a:endParaRPr lang="en-PH"/>
           </a:p>
@@ -5013,7 +5013,7 @@
           <a:p>
             <a:fld id="{0EB95752-787A-4C8A-B6CC-C41C23F6BED4}" type="datetimeFigureOut">
               <a:rPr lang="en-PH" smtClean="0"/>
-              <a:t>19 Aug 2020</a:t>
+              <a:t>17/09/2024</a:t>
             </a:fld>
             <a:endParaRPr lang="en-PH"/>
           </a:p>
@@ -5326,7 +5326,7 @@
           <a:p>
             <a:fld id="{0EB95752-787A-4C8A-B6CC-C41C23F6BED4}" type="datetimeFigureOut">
               <a:rPr lang="en-PH" smtClean="0"/>
-              <a:t>19 Aug 2020</a:t>
+              <a:t>17/09/2024</a:t>
             </a:fld>
             <a:endParaRPr lang="en-PH"/>
           </a:p>
@@ -5572,7 +5572,7 @@
           <a:p>
             <a:fld id="{0EB95752-787A-4C8A-B6CC-C41C23F6BED4}" type="datetimeFigureOut">
               <a:rPr lang="en-PH" smtClean="0"/>
-              <a:t>19 Aug 2020</a:t>
+              <a:t>17/09/2024</a:t>
             </a:fld>
             <a:endParaRPr lang="en-PH"/>
           </a:p>
@@ -14357,11 +14357,6 @@
               </a:rPr>
               <a:t>?- k(Y)</a:t>
             </a:r>
-            <a:endParaRPr lang="en-PH" sz="3600" b="0" i="0" dirty="0">
-              <a:latin typeface="Consolas" panose="020B0609020204030204" pitchFamily="49" charset="0"/>
-              <a:ea typeface="Cambria" panose="02040503050406030204" pitchFamily="18" charset="0"/>
-              <a:cs typeface="Times New Roman" panose="02020603050405020304" pitchFamily="18" charset="0"/>
-            </a:endParaRPr>
           </a:p>
         </p:txBody>
       </p:sp>
